--- a/CPC_WORK-CASE №3.pdf.pptx
+++ b/CPC_WORK-CASE №3.pdf.pptx
@@ -112,6 +112,11 @@
       </a:defRPr>
     </a:lvl9pPr>
   </p:defaultTextStyle>
+  <p:extLst>
+    <p:ext uri="{EFAFB233-063F-42B5-8137-9DF3F51BA10A}">
+      <p15:sldGuideLst xmlns:p15="http://schemas.microsoft.com/office/powerpoint/2012/main"/>
+    </p:ext>
+  </p:extLst>
 </p:presentation>
 </file>
 
@@ -3162,7 +3167,7 @@
             <a:fld id="{A37D6D71-8B28-4ED6-B932-04B197003D23}" type="datetimeFigureOut">
               <a:rPr lang="en-US" smtClean="0"/>
               <a:pPr algn="r"/>
-              <a:t>3/12/2025</a:t>
+              <a:t>3/14/2025</a:t>
             </a:fld>
             <a:endParaRPr lang="en-US" dirty="0"/>
           </a:p>
@@ -3384,7 +3389,7 @@
             <a:fld id="{A37D6D71-8B28-4ED6-B932-04B197003D23}" type="datetimeFigureOut">
               <a:rPr lang="en-US" smtClean="0"/>
               <a:pPr algn="r"/>
-              <a:t>3/12/2025</a:t>
+              <a:t>3/14/2025</a:t>
             </a:fld>
             <a:endParaRPr lang="en-US" dirty="0"/>
           </a:p>
@@ -3667,7 +3672,7 @@
             <a:fld id="{A37D6D71-8B28-4ED6-B932-04B197003D23}" type="datetimeFigureOut">
               <a:rPr lang="en-US" smtClean="0"/>
               <a:pPr algn="r"/>
-              <a:t>3/12/2025</a:t>
+              <a:t>3/14/2025</a:t>
             </a:fld>
             <a:endParaRPr lang="en-US" dirty="0"/>
           </a:p>
@@ -3881,7 +3886,7 @@
             <a:fld id="{A37D6D71-8B28-4ED6-B932-04B197003D23}" type="datetimeFigureOut">
               <a:rPr lang="en-US" smtClean="0"/>
               <a:pPr algn="r"/>
-              <a:t>3/12/2025</a:t>
+              <a:t>3/14/2025</a:t>
             </a:fld>
             <a:endParaRPr lang="en-US" dirty="0"/>
           </a:p>
@@ -4219,7 +4224,7 @@
             <a:fld id="{A37D6D71-8B28-4ED6-B932-04B197003D23}" type="datetimeFigureOut">
               <a:rPr lang="en-US" smtClean="0"/>
               <a:pPr algn="r"/>
-              <a:t>3/12/2025</a:t>
+              <a:t>3/14/2025</a:t>
             </a:fld>
             <a:endParaRPr lang="en-US" dirty="0"/>
           </a:p>
@@ -4494,7 +4499,7 @@
             <a:fld id="{A37D6D71-8B28-4ED6-B932-04B197003D23}" type="datetimeFigureOut">
               <a:rPr lang="en-US" smtClean="0"/>
               <a:pPr algn="r"/>
-              <a:t>3/12/2025</a:t>
+              <a:t>3/14/2025</a:t>
             </a:fld>
             <a:endParaRPr lang="en-US" dirty="0"/>
           </a:p>
@@ -4883,7 +4888,7 @@
             <a:fld id="{A37D6D71-8B28-4ED6-B932-04B197003D23}" type="datetimeFigureOut">
               <a:rPr lang="en-US" smtClean="0"/>
               <a:pPr algn="r"/>
-              <a:t>3/12/2025</a:t>
+              <a:t>3/14/2025</a:t>
             </a:fld>
             <a:endParaRPr lang="en-US" dirty="0"/>
           </a:p>
@@ -5060,7 +5065,7 @@
             <a:fld id="{A37D6D71-8B28-4ED6-B932-04B197003D23}" type="datetimeFigureOut">
               <a:rPr lang="en-US" smtClean="0"/>
               <a:pPr algn="r"/>
-              <a:t>3/12/2025</a:t>
+              <a:t>3/14/2025</a:t>
             </a:fld>
             <a:endParaRPr lang="en-US" dirty="0"/>
           </a:p>
@@ -5181,7 +5186,7 @@
             <a:fld id="{A37D6D71-8B28-4ED6-B932-04B197003D23}" type="datetimeFigureOut">
               <a:rPr lang="en-US" smtClean="0"/>
               <a:pPr algn="r"/>
-              <a:t>3/12/2025</a:t>
+              <a:t>3/14/2025</a:t>
             </a:fld>
             <a:endParaRPr lang="en-US" dirty="0"/>
           </a:p>
@@ -5466,7 +5471,7 @@
             <a:fld id="{A37D6D71-8B28-4ED6-B932-04B197003D23}" type="datetimeFigureOut">
               <a:rPr lang="en-US" smtClean="0"/>
               <a:pPr algn="r"/>
-              <a:t>3/12/2025</a:t>
+              <a:t>3/14/2025</a:t>
             </a:fld>
             <a:endParaRPr lang="en-US" dirty="0"/>
           </a:p>
@@ -5767,7 +5772,7 @@
             <a:fld id="{A37D6D71-8B28-4ED6-B932-04B197003D23}" type="datetimeFigureOut">
               <a:rPr lang="en-US" smtClean="0"/>
               <a:pPr algn="r"/>
-              <a:t>3/12/2025</a:t>
+              <a:t>3/14/2025</a:t>
             </a:fld>
             <a:endParaRPr lang="en-US" dirty="0"/>
           </a:p>
@@ -6115,7 +6120,7 @@
             <a:fld id="{A37D6D71-8B28-4ED6-B932-04B197003D23}" type="datetimeFigureOut">
               <a:rPr lang="en-US" smtClean="0"/>
               <a:pPr algn="r"/>
-              <a:t>3/12/2025</a:t>
+              <a:t>3/14/2025</a:t>
             </a:fld>
             <a:endParaRPr lang="en-US" spc="50" dirty="0"/>
           </a:p>
@@ -8607,6 +8612,14 @@
 <file path=ppt/slides/slide8.xml><?xml version="1.0" encoding="utf-8"?>
 <p:sld xmlns:a="http://schemas.openxmlformats.org/drawingml/2006/main" xmlns:r="http://schemas.openxmlformats.org/officeDocument/2006/relationships" xmlns:p="http://schemas.openxmlformats.org/presentationml/2006/main">
   <p:cSld>
+    <p:bg>
+      <p:bgPr>
+        <a:solidFill>
+          <a:schemeClr val="bg1"/>
+        </a:solidFill>
+        <a:effectLst/>
+      </p:bgPr>
+    </p:bg>
     <p:spTree>
       <p:nvGrpSpPr>
         <p:cNvPr id="1" name=""/>
@@ -8623,6 +8636,194 @@
       </p:grpSpPr>
       <p:sp>
         <p:nvSpPr>
+          <p:cNvPr id="12" name="Rectangle 11">
+            <a:extLst>
+              <a:ext uri="{FF2B5EF4-FFF2-40B4-BE49-F238E27FC236}">
+                <a16:creationId xmlns:a16="http://schemas.microsoft.com/office/drawing/2014/main" id="{09A1C012-8297-4361-ACE8-A2509FB18911}"/>
+              </a:ext>
+              <a:ext uri="{C183D7F6-B498-43B3-948B-1728B52AA6E4}">
+                <adec:decorative xmlns:adec="http://schemas.microsoft.com/office/drawing/2017/decorative" val="1"/>
+              </a:ext>
+            </a:extLst>
+          </p:cNvPr>
+          <p:cNvSpPr>
+            <a:spLocks noGrp="1" noRot="1" noChangeAspect="1" noMove="1" noResize="1" noEditPoints="1" noAdjustHandles="1" noChangeArrowheads="1" noChangeShapeType="1" noTextEdit="1"/>
+          </p:cNvSpPr>
+          <p:nvPr>
+            <p:extLst>
+              <p:ext uri="{386F3935-93C4-4BCD-93E2-E3B085C9AB24}">
+                <p16:designElem xmlns:p16="http://schemas.microsoft.com/office/powerpoint/2015/main" val="1"/>
+              </p:ext>
+            </p:extLst>
+          </p:nvPr>
+        </p:nvSpPr>
+        <p:spPr>
+          <a:xfrm>
+            <a:off x="0" y="4206240"/>
+            <a:ext cx="12192000" cy="2651760"/>
+          </a:xfrm>
+          <a:prstGeom prst="rect">
+            <a:avLst/>
+          </a:prstGeom>
+          <a:solidFill>
+            <a:schemeClr val="tx1"/>
+          </a:solidFill>
+          <a:ln>
+            <a:noFill/>
+          </a:ln>
+        </p:spPr>
+        <p:style>
+          <a:lnRef idx="2">
+            <a:schemeClr val="accent1">
+              <a:shade val="50000"/>
+            </a:schemeClr>
+          </a:lnRef>
+          <a:fillRef idx="1">
+            <a:schemeClr val="accent1"/>
+          </a:fillRef>
+          <a:effectRef idx="0">
+            <a:schemeClr val="accent1"/>
+          </a:effectRef>
+          <a:fontRef idx="minor">
+            <a:schemeClr val="lt1"/>
+          </a:fontRef>
+        </p:style>
+        <p:txBody>
+          <a:bodyPr rtlCol="0" anchor="ctr"/>
+          <a:lstStyle/>
+          <a:p>
+            <a:pPr algn="ctr"/>
+            <a:endParaRPr lang="en-US"/>
+          </a:p>
+        </p:txBody>
+      </p:sp>
+      <p:sp useBgFill="1">
+        <p:nvSpPr>
+          <p:cNvPr id="14" name="Rectangle 13">
+            <a:extLst>
+              <a:ext uri="{FF2B5EF4-FFF2-40B4-BE49-F238E27FC236}">
+                <a16:creationId xmlns:a16="http://schemas.microsoft.com/office/drawing/2014/main" id="{4AA13AD3-0A4F-475A-BEBB-DEEFF5C096C3}"/>
+              </a:ext>
+              <a:ext uri="{C183D7F6-B498-43B3-948B-1728B52AA6E4}">
+                <adec:decorative xmlns:adec="http://schemas.microsoft.com/office/drawing/2017/decorative" val="1"/>
+              </a:ext>
+            </a:extLst>
+          </p:cNvPr>
+          <p:cNvSpPr>
+            <a:spLocks noGrp="1" noRot="1" noChangeAspect="1" noMove="1" noResize="1" noEditPoints="1" noAdjustHandles="1" noChangeArrowheads="1" noChangeShapeType="1" noTextEdit="1"/>
+          </p:cNvSpPr>
+          <p:nvPr>
+            <p:extLst>
+              <p:ext uri="{386F3935-93C4-4BCD-93E2-E3B085C9AB24}">
+                <p16:designElem xmlns:p16="http://schemas.microsoft.com/office/powerpoint/2015/main" val="1"/>
+              </p:ext>
+            </p:extLst>
+          </p:nvPr>
+        </p:nvSpPr>
+        <p:spPr>
+          <a:xfrm>
+            <a:off x="0" y="0"/>
+            <a:ext cx="12192000" cy="6858000"/>
+          </a:xfrm>
+          <a:prstGeom prst="rect">
+            <a:avLst/>
+          </a:prstGeom>
+          <a:ln>
+            <a:noFill/>
+          </a:ln>
+        </p:spPr>
+        <p:style>
+          <a:lnRef idx="2">
+            <a:schemeClr val="accent1">
+              <a:shade val="50000"/>
+            </a:schemeClr>
+          </a:lnRef>
+          <a:fillRef idx="1">
+            <a:schemeClr val="accent1"/>
+          </a:fillRef>
+          <a:effectRef idx="0">
+            <a:schemeClr val="accent1"/>
+          </a:effectRef>
+          <a:fontRef idx="minor">
+            <a:schemeClr val="lt1"/>
+          </a:fontRef>
+        </p:style>
+        <p:txBody>
+          <a:bodyPr rtlCol="0" anchor="ctr"/>
+          <a:lstStyle/>
+          <a:p>
+            <a:pPr algn="ctr"/>
+            <a:endParaRPr lang="en-US"/>
+          </a:p>
+        </p:txBody>
+      </p:sp>
+      <p:sp>
+        <p:nvSpPr>
+          <p:cNvPr id="16" name="Rectangle 15">
+            <a:extLst>
+              <a:ext uri="{FF2B5EF4-FFF2-40B4-BE49-F238E27FC236}">
+                <a16:creationId xmlns:a16="http://schemas.microsoft.com/office/drawing/2014/main" id="{D65E0E3C-32F3-480B-9842-7611BBE2EE9F}"/>
+              </a:ext>
+              <a:ext uri="{C183D7F6-B498-43B3-948B-1728B52AA6E4}">
+                <adec:decorative xmlns:adec="http://schemas.microsoft.com/office/drawing/2017/decorative" val="1"/>
+              </a:ext>
+            </a:extLst>
+          </p:cNvPr>
+          <p:cNvSpPr>
+            <a:spLocks noGrp="1" noRot="1" noChangeAspect="1" noMove="1" noResize="1" noEditPoints="1" noAdjustHandles="1" noChangeArrowheads="1" noChangeShapeType="1" noTextEdit="1"/>
+          </p:cNvSpPr>
+          <p:nvPr>
+            <p:extLst>
+              <p:ext uri="{386F3935-93C4-4BCD-93E2-E3B085C9AB24}">
+                <p16:designElem xmlns:p16="http://schemas.microsoft.com/office/powerpoint/2015/main" val="1"/>
+              </p:ext>
+            </p:extLst>
+          </p:nvPr>
+        </p:nvSpPr>
+        <p:spPr>
+          <a:xfrm>
+            <a:off x="0" y="4212708"/>
+            <a:ext cx="12192000" cy="2645291"/>
+          </a:xfrm>
+          <a:prstGeom prst="rect">
+            <a:avLst/>
+          </a:prstGeom>
+          <a:solidFill>
+            <a:schemeClr val="tx1">
+              <a:alpha val="88000"/>
+            </a:schemeClr>
+          </a:solidFill>
+          <a:ln>
+            <a:noFill/>
+          </a:ln>
+        </p:spPr>
+        <p:style>
+          <a:lnRef idx="2">
+            <a:schemeClr val="accent1">
+              <a:shade val="50000"/>
+            </a:schemeClr>
+          </a:lnRef>
+          <a:fillRef idx="1">
+            <a:schemeClr val="accent1"/>
+          </a:fillRef>
+          <a:effectRef idx="0">
+            <a:schemeClr val="accent1"/>
+          </a:effectRef>
+          <a:fontRef idx="minor">
+            <a:schemeClr val="lt1"/>
+          </a:fontRef>
+        </p:style>
+        <p:txBody>
+          <a:bodyPr rtlCol="0" anchor="ctr"/>
+          <a:lstStyle/>
+          <a:p>
+            <a:pPr algn="ctr"/>
+            <a:endParaRPr lang="en-US"/>
+          </a:p>
+        </p:txBody>
+      </p:sp>
+      <p:sp>
+        <p:nvSpPr>
           <p:cNvPr id="2" name="Заголовок 1">
             <a:extLst>
               <a:ext uri="{FF2B5EF4-FFF2-40B4-BE49-F238E27FC236}">
@@ -8637,30 +8838,23 @@
             <p:ph type="title"/>
           </p:nvPr>
         </p:nvSpPr>
-        <p:spPr/>
-        <p:txBody>
-          <a:bodyPr>
-            <a:normAutofit fontScale="90000"/>
+        <p:spPr>
+          <a:xfrm>
+            <a:off x="961644" y="4572003"/>
+            <a:ext cx="10268712" cy="1169121"/>
+          </a:xfrm>
+        </p:spPr>
+        <p:txBody>
+          <a:bodyPr vert="horz" lIns="91440" tIns="45720" rIns="91440" bIns="45720" rtlCol="0" anchor="ctr">
+            <a:normAutofit/>
           </a:bodyPr>
           <a:lstStyle/>
           <a:p>
+            <a:pPr algn="ctr"/>
             <a:r>
-              <a:rPr lang="uk-UA" dirty="0"/>
-              <a:t>Влад У </a:t>
+              <a:rPr lang="en-US" sz="3400"/>
+              <a:t>EXCHANGE OF INFORMATION BETWEEN WINDOWS AND LINUX</a:t>
             </a:r>
-            <a:r>
-              <a:rPr lang="uk-UA" dirty="0" err="1"/>
-              <a:t>меня</a:t>
-            </a:r>
-            <a:r>
-              <a:rPr lang="uk-UA" dirty="0"/>
-              <a:t> тут не </a:t>
-            </a:r>
-            <a:r>
-              <a:rPr lang="uk-UA" dirty="0" err="1"/>
-              <a:t>работает</a:t>
-            </a:r>
-            <a:endParaRPr lang="ru-UA" dirty="0"/>
           </a:p>
         </p:txBody>
       </p:sp>
@@ -8680,31 +8874,90 @@
             <p:ph idx="1"/>
           </p:nvPr>
         </p:nvSpPr>
-        <p:spPr/>
-        <p:txBody>
-          <a:bodyPr/>
+        <p:spPr>
+          <a:xfrm>
+            <a:off x="961644" y="5745015"/>
+            <a:ext cx="10268712" cy="517315"/>
+          </a:xfrm>
+        </p:spPr>
+        <p:txBody>
+          <a:bodyPr vert="horz" lIns="91440" tIns="45720" rIns="91440" bIns="45720" rtlCol="0" anchor="ctr">
+            <a:normAutofit/>
+          </a:bodyPr>
           <a:lstStyle/>
           <a:p>
+            <a:pPr algn="ctr"/>
             <a:r>
-              <a:rPr lang="uk-UA" dirty="0" err="1"/>
-              <a:t>Сделай</a:t>
+              <a:rPr lang="en-US" sz="2400">
+                <a:solidFill>
+                  <a:schemeClr val="bg1"/>
+                </a:solidFill>
+              </a:rPr>
+              <a:t>open virtual machine settings --&gt; usb, select the folder</a:t>
             </a:r>
-            <a:r>
-              <a:rPr lang="uk-UA" dirty="0"/>
-              <a:t> т</a:t>
-            </a:r>
-            <a:r>
-              <a:rPr lang="ru-RU" dirty="0"/>
-              <a:t>ы </a:t>
-            </a:r>
-            <a:r>
-              <a:rPr lang="en-US" dirty="0"/>
-              <a:t>&lt;3</a:t>
-            </a:r>
-            <a:endParaRPr lang="ru-UA" dirty="0"/>
-          </a:p>
-        </p:txBody>
-      </p:sp>
+          </a:p>
+        </p:txBody>
+      </p:sp>
+      <p:pic>
+        <p:nvPicPr>
+          <p:cNvPr id="7" name="Рисунок 6">
+            <a:extLst>
+              <a:ext uri="{FF2B5EF4-FFF2-40B4-BE49-F238E27FC236}">
+                <a16:creationId xmlns:a16="http://schemas.microsoft.com/office/drawing/2014/main" id="{DE1A749B-1FF3-2B20-F1DD-77B9B27D3EDE}"/>
+              </a:ext>
+            </a:extLst>
+          </p:cNvPr>
+          <p:cNvPicPr>
+            <a:picLocks noChangeAspect="1"/>
+          </p:cNvPicPr>
+          <p:nvPr/>
+        </p:nvPicPr>
+        <p:blipFill>
+          <a:blip r:embed="rId2"/>
+          <a:stretch>
+            <a:fillRect/>
+          </a:stretch>
+        </p:blipFill>
+        <p:spPr>
+          <a:xfrm>
+            <a:off x="956748" y="639575"/>
+            <a:ext cx="4854587" cy="3082663"/>
+          </a:xfrm>
+          <a:prstGeom prst="rect">
+            <a:avLst/>
+          </a:prstGeom>
+        </p:spPr>
+      </p:pic>
+      <p:pic>
+        <p:nvPicPr>
+          <p:cNvPr id="5" name="Рисунок 4">
+            <a:extLst>
+              <a:ext uri="{FF2B5EF4-FFF2-40B4-BE49-F238E27FC236}">
+                <a16:creationId xmlns:a16="http://schemas.microsoft.com/office/drawing/2014/main" id="{C045C05C-17BA-32EC-C915-6A2ACF8ED707}"/>
+              </a:ext>
+            </a:extLst>
+          </p:cNvPr>
+          <p:cNvPicPr>
+            <a:picLocks noChangeAspect="1"/>
+          </p:cNvPicPr>
+          <p:nvPr/>
+        </p:nvPicPr>
+        <p:blipFill>
+          <a:blip r:embed="rId3"/>
+          <a:stretch>
+            <a:fillRect/>
+          </a:stretch>
+        </p:blipFill>
+        <p:spPr>
+          <a:xfrm>
+            <a:off x="6338316" y="785560"/>
+            <a:ext cx="4939284" cy="2790694"/>
+          </a:xfrm>
+          <a:prstGeom prst="rect">
+            <a:avLst/>
+          </a:prstGeom>
+        </p:spPr>
+      </p:pic>
     </p:spTree>
     <p:extLst>
       <p:ext uri="{BB962C8B-B14F-4D97-AF65-F5344CB8AC3E}">
